--- a/Fitness Buddy IBM Project.pptx
+++ b/Fitness Buddy IBM Project.pptx
@@ -148,10 +148,25 @@
   <pc:docChgLst>
     <pc:chgData name="Liza Sharma" userId="1ef1650cc88743f3" providerId="LiveId" clId="{EA1AA55D-2F59-453F-81D8-B7D74F6C64E6}"/>
     <pc:docChg chg="custSel addSld modSld">
-      <pc:chgData name="Liza Sharma" userId="1ef1650cc88743f3" providerId="LiveId" clId="{EA1AA55D-2F59-453F-81D8-B7D74F6C64E6}" dt="2025-08-02T11:06:22.783" v="6" actId="14100"/>
+      <pc:chgData name="Liza Sharma" userId="1ef1650cc88743f3" providerId="LiveId" clId="{EA1AA55D-2F59-453F-81D8-B7D74F6C64E6}" dt="2025-08-04T13:47:57.819" v="33" actId="20577"/>
       <pc:docMkLst>
         <pc:docMk/>
       </pc:docMkLst>
+      <pc:sldChg chg="modSp mod">
+        <pc:chgData name="Liza Sharma" userId="1ef1650cc88743f3" providerId="LiveId" clId="{EA1AA55D-2F59-453F-81D8-B7D74F6C64E6}" dt="2025-08-04T13:47:57.819" v="33" actId="20577"/>
+        <pc:sldMkLst>
+          <pc:docMk/>
+          <pc:sldMk cId="953325580" sldId="256"/>
+        </pc:sldMkLst>
+        <pc:spChg chg="mod">
+          <ac:chgData name="Liza Sharma" userId="1ef1650cc88743f3" providerId="LiveId" clId="{EA1AA55D-2F59-453F-81D8-B7D74F6C64E6}" dt="2025-08-04T13:47:57.819" v="33" actId="20577"/>
+          <ac:spMkLst>
+            <pc:docMk/>
+            <pc:sldMk cId="953325580" sldId="256"/>
+            <ac:spMk id="3" creationId="{00000000-0000-0000-0000-000000000000}"/>
+          </ac:spMkLst>
+        </pc:spChg>
+      </pc:sldChg>
       <pc:sldChg chg="modSp mod">
         <pc:chgData name="Liza Sharma" userId="1ef1650cc88743f3" providerId="LiveId" clId="{EA1AA55D-2F59-453F-81D8-B7D74F6C64E6}" dt="2025-08-02T11:02:49.694" v="0" actId="20577"/>
         <pc:sldMkLst>
@@ -173,14 +188,6 @@
           <pc:docMk/>
           <pc:sldMk cId="2661446842" sldId="2146847070"/>
         </pc:sldMkLst>
-        <pc:picChg chg="del">
-          <ac:chgData name="Liza Sharma" userId="1ef1650cc88743f3" providerId="LiveId" clId="{EA1AA55D-2F59-453F-81D8-B7D74F6C64E6}" dt="2025-08-02T11:04:42.060" v="2" actId="478"/>
-          <ac:picMkLst>
-            <pc:docMk/>
-            <pc:sldMk cId="2661446842" sldId="2146847070"/>
-            <ac:picMk id="3" creationId="{CFF18792-56FC-8A06-86AE-1512F876E057}"/>
-          </ac:picMkLst>
-        </pc:picChg>
         <pc:picChg chg="add mod">
           <ac:chgData name="Liza Sharma" userId="1ef1650cc88743f3" providerId="LiveId" clId="{EA1AA55D-2F59-453F-81D8-B7D74F6C64E6}" dt="2025-08-02T11:06:22.783" v="6" actId="14100"/>
           <ac:picMkLst>
@@ -278,7 +285,7 @@
             <a:fld id="{46256A78-79A6-408F-8148-4F87BB81602D}" type="datetimeFigureOut">
               <a:rPr lang="en-IN" smtClean="0"/>
               <a:pPr/>
-              <a:t>02-08-2025</a:t>
+              <a:t>04-08-2025</a:t>
             </a:fld>
             <a:endParaRPr lang="en-IN"/>
           </a:p>
@@ -784,7 +791,7 @@
             <a:fld id="{ED291B17-9318-49DB-B28B-6E5994AE9581}" type="datetime1">
               <a:rPr lang="en-US" smtClean="0"/>
               <a:pPr/>
-              <a:t>8/2/2025</a:t>
+              <a:t>8/4/2025</a:t>
             </a:fld>
             <a:endParaRPr lang="en-US"/>
           </a:p>
@@ -995,7 +1002,7 @@
             <a:fld id="{2CED4963-E985-44C4-B8C4-FDD613B7C2F8}" type="datetime1">
               <a:rPr lang="en-US" smtClean="0"/>
               <a:pPr/>
-              <a:t>8/2/2025</a:t>
+              <a:t>8/4/2025</a:t>
             </a:fld>
             <a:endParaRPr lang="en-US"/>
           </a:p>
@@ -1365,7 +1372,7 @@
             <a:fld id="{ED291B17-9318-49DB-B28B-6E5994AE9581}" type="datetime1">
               <a:rPr lang="en-US" smtClean="0"/>
               <a:pPr/>
-              <a:t>8/2/2025</a:t>
+              <a:t>8/4/2025</a:t>
             </a:fld>
             <a:endParaRPr lang="en-US"/>
           </a:p>
@@ -1571,7 +1578,7 @@
             <a:fld id="{78DD82B9-B8EE-4375-B6FF-88FA6ABB15D9}" type="datetime1">
               <a:rPr lang="en-US" smtClean="0"/>
               <a:pPr/>
-              <a:t>8/2/2025</a:t>
+              <a:t>8/4/2025</a:t>
             </a:fld>
             <a:endParaRPr lang="en-US"/>
           </a:p>
@@ -1829,7 +1836,7 @@
             <a:fld id="{B2497495-0637-405E-AE64-5CC7506D51F5}" type="datetime1">
               <a:rPr lang="en-US" smtClean="0"/>
               <a:pPr/>
-              <a:t>8/2/2025</a:t>
+              <a:t>8/4/2025</a:t>
             </a:fld>
             <a:endParaRPr lang="en-US"/>
           </a:p>
@@ -2089,7 +2096,7 @@
             <a:fld id="{7BFFD690-9426-415D-8B65-26881E07B2D4}" type="datetime1">
               <a:rPr lang="en-US" smtClean="0"/>
               <a:pPr/>
-              <a:t>8/2/2025</a:t>
+              <a:t>8/4/2025</a:t>
             </a:fld>
             <a:endParaRPr lang="en-US"/>
           </a:p>
@@ -2518,7 +2525,7 @@
             <a:fld id="{04C4989A-474C-40DE-95B9-011C28B71673}" type="datetime1">
               <a:rPr lang="en-US" smtClean="0"/>
               <a:pPr/>
-              <a:t>8/2/2025</a:t>
+              <a:t>8/4/2025</a:t>
             </a:fld>
             <a:endParaRPr lang="en-US"/>
           </a:p>
@@ -2650,7 +2657,7 @@
             <a:fld id="{5DB4ED54-5B5E-4A04-93D3-5772E3CE3818}" type="datetime1">
               <a:rPr lang="en-US" smtClean="0"/>
               <a:pPr/>
-              <a:t>8/2/2025</a:t>
+              <a:t>8/4/2025</a:t>
             </a:fld>
             <a:endParaRPr lang="en-US"/>
           </a:p>
@@ -2755,7 +2762,7 @@
             <a:fld id="{4EDE50D6-574B-40AF-946F-D52A04ADE379}" type="datetime1">
               <a:rPr lang="en-US" smtClean="0"/>
               <a:pPr/>
-              <a:t>8/2/2025</a:t>
+              <a:t>8/4/2025</a:t>
             </a:fld>
             <a:endParaRPr lang="en-US"/>
           </a:p>
@@ -3140,7 +3147,7 @@
             <a:fld id="{D82884F1-FFEA-405F-9602-3DCA865EDA4E}" type="datetime1">
               <a:rPr lang="en-US" smtClean="0"/>
               <a:pPr/>
-              <a:t>8/2/2025</a:t>
+              <a:t>8/4/2025</a:t>
             </a:fld>
             <a:endParaRPr lang="en-US"/>
           </a:p>
@@ -3435,7 +3442,7 @@
             <a:fld id="{7E18DB4A-8810-4A10-AD5C-D5E2C667F5B3}" type="datetime1">
               <a:rPr lang="en-US" smtClean="0"/>
               <a:pPr/>
-              <a:t>8/2/2025</a:t>
+              <a:t>8/4/2025</a:t>
             </a:fld>
             <a:endParaRPr lang="en-US"/>
           </a:p>
@@ -3658,7 +3665,7 @@
             <a:fld id="{ED291B17-9318-49DB-B28B-6E5994AE9581}" type="datetime1">
               <a:rPr lang="en-US" smtClean="0"/>
               <a:pPr/>
-              <a:t>8/2/2025</a:t>
+              <a:t>8/4/2025</a:t>
             </a:fld>
             <a:endParaRPr lang="en-US"/>
           </a:p>
@@ -4373,7 +4380,7 @@
                 <a:latin typeface="Arial"/>
                 <a:cs typeface="Arial"/>
               </a:rPr>
-              <a:t>IBM AICTE PROJECT</a:t>
+              <a:t>CAPSTONE PROJECT</a:t>
             </a:r>
           </a:p>
         </p:txBody>
@@ -7309,14 +7316,6 @@
 </file>
 
 <file path=customXml/item2.xml><?xml version="1.0" encoding="utf-8"?>
-<p:properties xmlns:p="http://schemas.microsoft.com/office/2006/metadata/properties" xmlns:xsi="http://www.w3.org/2001/XMLSchema-instance" xmlns:pc="http://schemas.microsoft.com/office/infopath/2007/PartnerControls">
-  <documentManagement>
-    <_activity xmlns="b30265f8-c5e2-4918-b4a1-b977299ca3e2" xsi:nil="true"/>
-  </documentManagement>
-</p:properties>
-</file>
-
-<file path=customXml/item3.xml><?xml version="1.0" encoding="utf-8"?>
 <ct:contentTypeSchema xmlns:ct="http://schemas.microsoft.com/office/2006/metadata/contentType" xmlns:ma="http://schemas.microsoft.com/office/2006/metadata/properties/metaAttributes" ct:_="" ma:_="" ma:contentTypeName="Document" ma:contentTypeID="0x0101007F0268AC5E70984D8FE60B7154176407" ma:contentTypeVersion="15" ma:contentTypeDescription="Create a new document." ma:contentTypeScope="" ma:versionID="104e359103f0f57b1cf9676756e5b944">
   <xsd:schema xmlns:xsd="http://www.w3.org/2001/XMLSchema" xmlns:xs="http://www.w3.org/2001/XMLSchema" xmlns:p="http://schemas.microsoft.com/office/2006/metadata/properties" xmlns:ns3="b30265f8-c5e2-4918-b4a1-b977299ca3e2" xmlns:ns4="fadb41d3-f9cb-40fb-903c-8cacaba95bb5" targetNamespace="http://schemas.microsoft.com/office/2006/metadata/properties" ma:root="true" ma:fieldsID="5615b8f8aa772998bad551f24a33de0e" ns3:_="" ns4:_="">
     <xsd:import namespace="b30265f8-c5e2-4918-b4a1-b977299ca3e2"/>
@@ -7549,6 +7548,14 @@
 </ct:contentTypeSchema>
 </file>
 
+<file path=customXml/item3.xml><?xml version="1.0" encoding="utf-8"?>
+<p:properties xmlns:p="http://schemas.microsoft.com/office/2006/metadata/properties" xmlns:xsi="http://www.w3.org/2001/XMLSchema-instance" xmlns:pc="http://schemas.microsoft.com/office/infopath/2007/PartnerControls">
+  <documentManagement>
+    <_activity xmlns="b30265f8-c5e2-4918-b4a1-b977299ca3e2" xsi:nil="true"/>
+  </documentManagement>
+</p:properties>
+</file>
+
 <file path=customXml/itemProps1.xml><?xml version="1.0" encoding="utf-8"?>
 <ds:datastoreItem xmlns:ds="http://schemas.openxmlformats.org/officeDocument/2006/customXml" ds:itemID="{927BD4C1-B6B1-4715-ABF9-E660A51A4EA0}">
   <ds:schemaRefs>
@@ -7558,23 +7565,6 @@
 </file>
 
 <file path=customXml/itemProps2.xml><?xml version="1.0" encoding="utf-8"?>
-<ds:datastoreItem xmlns:ds="http://schemas.openxmlformats.org/officeDocument/2006/customXml" ds:itemID="{8D289AE2-D2AE-49D1-AFAC-3A79F6794255}">
-  <ds:schemaRefs>
-    <ds:schemaRef ds:uri="http://www.w3.org/XML/1998/namespace"/>
-    <ds:schemaRef ds:uri="http://purl.org/dc/dcmitype/"/>
-    <ds:schemaRef ds:uri="http://purl.org/dc/terms/"/>
-    <ds:schemaRef ds:uri="fadb41d3-f9cb-40fb-903c-8cacaba95bb5"/>
-    <ds:schemaRef ds:uri="http://purl.org/dc/elements/1.1/"/>
-    <ds:schemaRef ds:uri="http://schemas.microsoft.com/office/2006/documentManagement/types"/>
-    <ds:schemaRef ds:uri="http://schemas.microsoft.com/office/infopath/2007/PartnerControls"/>
-    <ds:schemaRef ds:uri="http://schemas.openxmlformats.org/package/2006/metadata/core-properties"/>
-    <ds:schemaRef ds:uri="b30265f8-c5e2-4918-b4a1-b977299ca3e2"/>
-    <ds:schemaRef ds:uri="http://schemas.microsoft.com/office/2006/metadata/properties"/>
-  </ds:schemaRefs>
-</ds:datastoreItem>
-</file>
-
-<file path=customXml/itemProps3.xml><?xml version="1.0" encoding="utf-8"?>
 <ds:datastoreItem xmlns:ds="http://schemas.openxmlformats.org/officeDocument/2006/customXml" ds:itemID="{9DD71778-17EE-4151-88AE-C8F4E8043BD9}">
   <ds:schemaRefs>
     <ds:schemaRef ds:uri="http://schemas.microsoft.com/office/2006/metadata/contentType"/>
@@ -7591,4 +7581,21 @@
     <ds:schemaRef ds:uri="http://schemas.microsoft.com/internal/obd"/>
   </ds:schemaRefs>
 </ds:datastoreItem>
+</file>
+
+<file path=customXml/itemProps3.xml><?xml version="1.0" encoding="utf-8"?>
+<ds:datastoreItem xmlns:ds="http://schemas.openxmlformats.org/officeDocument/2006/customXml" ds:itemID="{8D289AE2-D2AE-49D1-AFAC-3A79F6794255}">
+  <ds:schemaRefs>
+    <ds:schemaRef ds:uri="http://www.w3.org/XML/1998/namespace"/>
+    <ds:schemaRef ds:uri="http://purl.org/dc/dcmitype/"/>
+    <ds:schemaRef ds:uri="http://purl.org/dc/terms/"/>
+    <ds:schemaRef ds:uri="fadb41d3-f9cb-40fb-903c-8cacaba95bb5"/>
+    <ds:schemaRef ds:uri="http://purl.org/dc/elements/1.1/"/>
+    <ds:schemaRef ds:uri="http://schemas.microsoft.com/office/2006/documentManagement/types"/>
+    <ds:schemaRef ds:uri="http://schemas.microsoft.com/office/infopath/2007/PartnerControls"/>
+    <ds:schemaRef ds:uri="http://schemas.openxmlformats.org/package/2006/metadata/core-properties"/>
+    <ds:schemaRef ds:uri="b30265f8-c5e2-4918-b4a1-b977299ca3e2"/>
+    <ds:schemaRef ds:uri="http://schemas.microsoft.com/office/2006/metadata/properties"/>
+  </ds:schemaRefs>
+</ds:datastoreItem>
 </file>